--- a/rest-api.pptx
+++ b/rest-api.pptx
@@ -14,6 +14,8 @@
     <p:sldId id="262" r:id="rId8"/>
     <p:sldId id="263" r:id="rId9"/>
     <p:sldId id="264" r:id="rId10"/>
+    <p:sldId id="265" r:id="rId11"/>
+    <p:sldId id="266" r:id="rId12"/>
   </p:sldIdLst>
   <p:sldSz cx="12192000" cy="6858000"/>
   <p:notesSz cx="6858000" cy="9144000"/>
@@ -251,7 +253,7 @@
           <a:p>
             <a:fld id="{DA41625D-51D9-4CCE-B9FC-7BADEB9FB237}" type="datetimeFigureOut">
               <a:rPr lang="ko-KR" altLang="en-US" smtClean="0"/>
-              <a:t>2023-11-21</a:t>
+              <a:t>2023-11-22</a:t>
             </a:fld>
             <a:endParaRPr lang="ko-KR" altLang="en-US"/>
           </a:p>
@@ -421,7 +423,7 @@
           <a:p>
             <a:fld id="{DA41625D-51D9-4CCE-B9FC-7BADEB9FB237}" type="datetimeFigureOut">
               <a:rPr lang="ko-KR" altLang="en-US" smtClean="0"/>
-              <a:t>2023-11-21</a:t>
+              <a:t>2023-11-22</a:t>
             </a:fld>
             <a:endParaRPr lang="ko-KR" altLang="en-US"/>
           </a:p>
@@ -601,7 +603,7 @@
           <a:p>
             <a:fld id="{DA41625D-51D9-4CCE-B9FC-7BADEB9FB237}" type="datetimeFigureOut">
               <a:rPr lang="ko-KR" altLang="en-US" smtClean="0"/>
-              <a:t>2023-11-21</a:t>
+              <a:t>2023-11-22</a:t>
             </a:fld>
             <a:endParaRPr lang="ko-KR" altLang="en-US"/>
           </a:p>
@@ -771,7 +773,7 @@
           <a:p>
             <a:fld id="{DA41625D-51D9-4CCE-B9FC-7BADEB9FB237}" type="datetimeFigureOut">
               <a:rPr lang="ko-KR" altLang="en-US" smtClean="0"/>
-              <a:t>2023-11-21</a:t>
+              <a:t>2023-11-22</a:t>
             </a:fld>
             <a:endParaRPr lang="ko-KR" altLang="en-US"/>
           </a:p>
@@ -1017,7 +1019,7 @@
           <a:p>
             <a:fld id="{DA41625D-51D9-4CCE-B9FC-7BADEB9FB237}" type="datetimeFigureOut">
               <a:rPr lang="ko-KR" altLang="en-US" smtClean="0"/>
-              <a:t>2023-11-21</a:t>
+              <a:t>2023-11-22</a:t>
             </a:fld>
             <a:endParaRPr lang="ko-KR" altLang="en-US"/>
           </a:p>
@@ -1249,7 +1251,7 @@
           <a:p>
             <a:fld id="{DA41625D-51D9-4CCE-B9FC-7BADEB9FB237}" type="datetimeFigureOut">
               <a:rPr lang="ko-KR" altLang="en-US" smtClean="0"/>
-              <a:t>2023-11-21</a:t>
+              <a:t>2023-11-22</a:t>
             </a:fld>
             <a:endParaRPr lang="ko-KR" altLang="en-US"/>
           </a:p>
@@ -1616,7 +1618,7 @@
           <a:p>
             <a:fld id="{DA41625D-51D9-4CCE-B9FC-7BADEB9FB237}" type="datetimeFigureOut">
               <a:rPr lang="ko-KR" altLang="en-US" smtClean="0"/>
-              <a:t>2023-11-21</a:t>
+              <a:t>2023-11-22</a:t>
             </a:fld>
             <a:endParaRPr lang="ko-KR" altLang="en-US"/>
           </a:p>
@@ -1734,7 +1736,7 @@
           <a:p>
             <a:fld id="{DA41625D-51D9-4CCE-B9FC-7BADEB9FB237}" type="datetimeFigureOut">
               <a:rPr lang="ko-KR" altLang="en-US" smtClean="0"/>
-              <a:t>2023-11-21</a:t>
+              <a:t>2023-11-22</a:t>
             </a:fld>
             <a:endParaRPr lang="ko-KR" altLang="en-US"/>
           </a:p>
@@ -1829,7 +1831,7 @@
           <a:p>
             <a:fld id="{DA41625D-51D9-4CCE-B9FC-7BADEB9FB237}" type="datetimeFigureOut">
               <a:rPr lang="ko-KR" altLang="en-US" smtClean="0"/>
-              <a:t>2023-11-21</a:t>
+              <a:t>2023-11-22</a:t>
             </a:fld>
             <a:endParaRPr lang="ko-KR" altLang="en-US"/>
           </a:p>
@@ -2106,7 +2108,7 @@
           <a:p>
             <a:fld id="{DA41625D-51D9-4CCE-B9FC-7BADEB9FB237}" type="datetimeFigureOut">
               <a:rPr lang="ko-KR" altLang="en-US" smtClean="0"/>
-              <a:t>2023-11-21</a:t>
+              <a:t>2023-11-22</a:t>
             </a:fld>
             <a:endParaRPr lang="ko-KR" altLang="en-US"/>
           </a:p>
@@ -2359,7 +2361,7 @@
           <a:p>
             <a:fld id="{DA41625D-51D9-4CCE-B9FC-7BADEB9FB237}" type="datetimeFigureOut">
               <a:rPr lang="ko-KR" altLang="en-US" smtClean="0"/>
-              <a:t>2023-11-21</a:t>
+              <a:t>2023-11-22</a:t>
             </a:fld>
             <a:endParaRPr lang="ko-KR" altLang="en-US"/>
           </a:p>
@@ -2572,7 +2574,7 @@
           <a:p>
             <a:fld id="{DA41625D-51D9-4CCE-B9FC-7BADEB9FB237}" type="datetimeFigureOut">
               <a:rPr lang="ko-KR" altLang="en-US" smtClean="0"/>
-              <a:t>2023-11-21</a:t>
+              <a:t>2023-11-22</a:t>
             </a:fld>
             <a:endParaRPr lang="ko-KR" altLang="en-US"/>
           </a:p>
@@ -4287,6 +4289,312 @@
 </p:sld>
 </file>
 
+<file path=ppt/slides/slide10.xml><?xml version="1.0" encoding="utf-8"?>
+<p:sld xmlns:a="http://schemas.openxmlformats.org/drawingml/2006/main" xmlns:r="http://schemas.openxmlformats.org/officeDocument/2006/relationships" xmlns:p="http://schemas.openxmlformats.org/presentationml/2006/main">
+  <p:cSld>
+    <p:spTree>
+      <p:nvGrpSpPr>
+        <p:cNvPr id="1" name=""/>
+        <p:cNvGrpSpPr/>
+        <p:nvPr/>
+      </p:nvGrpSpPr>
+      <p:grpSpPr>
+        <a:xfrm>
+          <a:off x="0" y="0"/>
+          <a:ext cx="0" cy="0"/>
+          <a:chOff x="0" y="0"/>
+          <a:chExt cx="0" cy="0"/>
+        </a:xfrm>
+      </p:grpSpPr>
+      <p:sp>
+        <p:nvSpPr>
+          <p:cNvPr id="2" name="TextBox 1"/>
+          <p:cNvSpPr txBox="1"/>
+          <p:nvPr/>
+        </p:nvSpPr>
+        <p:spPr>
+          <a:xfrm>
+            <a:off x="808892" y="536331"/>
+            <a:ext cx="1729641" cy="369332"/>
+          </a:xfrm>
+          <a:prstGeom prst="rect">
+            <a:avLst/>
+          </a:prstGeom>
+          <a:noFill/>
+        </p:spPr>
+        <p:txBody>
+          <a:bodyPr wrap="none" rtlCol="0">
+            <a:spAutoFit/>
+          </a:bodyPr>
+          <a:lstStyle/>
+          <a:p>
+            <a:r>
+              <a:rPr lang="en-US" altLang="ko-KR" dirty="0" smtClean="0"/>
+              <a:t>Exception </a:t>
+            </a:r>
+            <a:r>
+              <a:rPr lang="ko-KR" altLang="en-US" dirty="0" smtClean="0"/>
+              <a:t>실전</a:t>
+            </a:r>
+            <a:endParaRPr lang="en-US" altLang="ko-KR" dirty="0"/>
+          </a:p>
+        </p:txBody>
+      </p:sp>
+      <p:sp>
+        <p:nvSpPr>
+          <p:cNvPr id="4" name="TextBox 3"/>
+          <p:cNvSpPr txBox="1"/>
+          <p:nvPr/>
+        </p:nvSpPr>
+        <p:spPr>
+          <a:xfrm>
+            <a:off x="940777" y="1230923"/>
+            <a:ext cx="10785132" cy="3139321"/>
+          </a:xfrm>
+          <a:prstGeom prst="rect">
+            <a:avLst/>
+          </a:prstGeom>
+          <a:noFill/>
+        </p:spPr>
+        <p:txBody>
+          <a:bodyPr wrap="none" rtlCol="0">
+            <a:spAutoFit/>
+          </a:bodyPr>
+          <a:lstStyle/>
+          <a:p>
+            <a:r>
+              <a:rPr lang="en-US" altLang="ko-KR" dirty="0" smtClean="0"/>
+              <a:t>BE</a:t>
+            </a:r>
+            <a:r>
+              <a:rPr lang="ko-KR" altLang="en-US" dirty="0" smtClean="0"/>
+              <a:t>가 수신하는 메시지는 다양하지만 송신하는 메시지는 통일하는 것이 좋음</a:t>
+            </a:r>
+            <a:endParaRPr lang="en-US" altLang="ko-KR" dirty="0" smtClean="0"/>
+          </a:p>
+          <a:p>
+            <a:r>
+              <a:rPr lang="ko-KR" altLang="en-US" dirty="0" err="1" smtClean="0"/>
+              <a:t>기본응답</a:t>
+            </a:r>
+            <a:r>
+              <a:rPr lang="ko-KR" altLang="en-US" dirty="0" smtClean="0"/>
+              <a:t> 코드 </a:t>
+            </a:r>
+            <a:r>
+              <a:rPr lang="en-US" altLang="ko-KR" dirty="0" smtClean="0"/>
+              <a:t>EX) </a:t>
+            </a:r>
+            <a:r>
+              <a:rPr lang="en-US" altLang="ko-KR" dirty="0" err="1" smtClean="0"/>
+              <a:t>HttpStatus</a:t>
+            </a:r>
+            <a:r>
+              <a:rPr lang="en-US" altLang="ko-KR" dirty="0" smtClean="0"/>
+              <a:t>, </a:t>
+            </a:r>
+            <a:r>
+              <a:rPr lang="en-US" altLang="ko-KR" dirty="0" err="1" smtClean="0"/>
+              <a:t>HttpMessage</a:t>
+            </a:r>
+            <a:r>
+              <a:rPr lang="en-US" altLang="ko-KR" dirty="0" smtClean="0"/>
+              <a:t>, Data&lt;T&gt;</a:t>
+            </a:r>
+          </a:p>
+          <a:p>
+            <a:r>
+              <a:rPr lang="en-US" altLang="ko-KR" dirty="0" smtClean="0"/>
+              <a:t>Exception       EX) </a:t>
+            </a:r>
+            <a:r>
+              <a:rPr lang="en-US" altLang="ko-KR" dirty="0" err="1" smtClean="0"/>
+              <a:t>HttpResponse</a:t>
+            </a:r>
+            <a:r>
+              <a:rPr lang="en-US" altLang="ko-KR" dirty="0" smtClean="0"/>
+              <a:t> + </a:t>
+            </a:r>
+            <a:r>
+              <a:rPr lang="ko-KR" altLang="en-US" dirty="0" smtClean="0"/>
+              <a:t>기본 응답 코드</a:t>
+            </a:r>
+            <a:endParaRPr lang="en-US" altLang="ko-KR" dirty="0" smtClean="0"/>
+          </a:p>
+          <a:p>
+            <a:r>
+              <a:rPr lang="ko-KR" altLang="en-US" dirty="0" smtClean="0"/>
+              <a:t>위와 같이 통일하는 경우</a:t>
+            </a:r>
+            <a:r>
+              <a:rPr lang="en-US" altLang="ko-KR" dirty="0" smtClean="0"/>
+              <a:t>, FE</a:t>
+            </a:r>
+            <a:r>
+              <a:rPr lang="ko-KR" altLang="en-US" dirty="0" smtClean="0"/>
+              <a:t>와 </a:t>
+            </a:r>
+            <a:r>
+              <a:rPr lang="en-US" altLang="ko-KR" dirty="0" smtClean="0"/>
+              <a:t>BE </a:t>
+            </a:r>
+            <a:r>
+              <a:rPr lang="ko-KR" altLang="en-US" dirty="0" smtClean="0"/>
+              <a:t>둘 다 동일한 오류에 대한 일괄적인 대처가 가능하다는 장점</a:t>
+            </a:r>
+            <a:endParaRPr lang="en-US" altLang="ko-KR" dirty="0" smtClean="0"/>
+          </a:p>
+          <a:p>
+            <a:endParaRPr lang="en-US" altLang="ko-KR" dirty="0"/>
+          </a:p>
+          <a:p>
+            <a:r>
+              <a:rPr lang="ko-KR" altLang="en-US" dirty="0" smtClean="0"/>
+              <a:t>기본적으로 모든 에러를 처리하는 </a:t>
+            </a:r>
+            <a:r>
+              <a:rPr lang="en-US" altLang="ko-KR" dirty="0" err="1" smtClean="0"/>
+              <a:t>GlobalErrorAdvice</a:t>
+            </a:r>
+            <a:r>
+              <a:rPr lang="ko-KR" altLang="en-US" dirty="0" smtClean="0"/>
+              <a:t>와 개별 에러를 처리하는 </a:t>
+            </a:r>
+            <a:r>
+              <a:rPr lang="en-US" altLang="ko-KR" dirty="0" err="1" smtClean="0"/>
+              <a:t>ControllerAdvice</a:t>
+            </a:r>
+            <a:r>
+              <a:rPr lang="ko-KR" altLang="en-US" dirty="0" smtClean="0"/>
+              <a:t>를 두고</a:t>
+            </a:r>
+            <a:r>
+              <a:rPr lang="en-US" altLang="ko-KR" dirty="0" smtClean="0"/>
+              <a:t>,</a:t>
+            </a:r>
+          </a:p>
+          <a:p>
+            <a:r>
+              <a:rPr lang="ko-KR" altLang="en-US" dirty="0" smtClean="0"/>
+              <a:t>로그인 등</a:t>
+            </a:r>
+            <a:r>
+              <a:rPr lang="en-US" altLang="ko-KR" dirty="0" smtClean="0"/>
+              <a:t>, </a:t>
+            </a:r>
+            <a:r>
+              <a:rPr lang="ko-KR" altLang="en-US" dirty="0" smtClean="0"/>
+              <a:t>에러를 활용하기 좋은 기능의 경우 개별 에러 관리를 사용</a:t>
+            </a:r>
+            <a:endParaRPr lang="en-US" altLang="ko-KR" dirty="0" smtClean="0"/>
+          </a:p>
+          <a:p>
+            <a:r>
+              <a:rPr lang="ko-KR" altLang="en-US" dirty="0" smtClean="0"/>
+              <a:t> </a:t>
+            </a:r>
+            <a:endParaRPr lang="en-US" altLang="ko-KR" dirty="0" smtClean="0"/>
+          </a:p>
+          <a:p>
+            <a:r>
+              <a:rPr lang="ko-KR" altLang="en-US" dirty="0" smtClean="0"/>
+              <a:t>개발자가 예상하지 못한 에러가 발생하더라도 </a:t>
+            </a:r>
+            <a:r>
+              <a:rPr lang="en-US" altLang="ko-KR" dirty="0" smtClean="0"/>
+              <a:t>Global</a:t>
+            </a:r>
+            <a:r>
+              <a:rPr lang="ko-KR" altLang="en-US" dirty="0" smtClean="0"/>
+              <a:t>을 통해 에러를 처리하는 방안을 마련</a:t>
+            </a:r>
+            <a:endParaRPr lang="en-US" altLang="ko-KR" dirty="0" smtClean="0"/>
+          </a:p>
+          <a:p>
+            <a:endParaRPr lang="en-US" altLang="ko-KR" dirty="0"/>
+          </a:p>
+          <a:p>
+            <a:r>
+              <a:rPr lang="ko-KR" altLang="en-US" dirty="0" smtClean="0"/>
+              <a:t>글로벌과 개별 에러의 처리는 패키지 분리와 우선순위 관리를 통해 수행 가능</a:t>
+            </a:r>
+            <a:endParaRPr lang="ko-KR" altLang="en-US" dirty="0"/>
+          </a:p>
+        </p:txBody>
+      </p:sp>
+    </p:spTree>
+    <p:extLst>
+      <p:ext uri="{BB962C8B-B14F-4D97-AF65-F5344CB8AC3E}">
+        <p14:creationId xmlns:p14="http://schemas.microsoft.com/office/powerpoint/2010/main" val="1448302963"/>
+      </p:ext>
+    </p:extLst>
+  </p:cSld>
+  <p:clrMapOvr>
+    <a:masterClrMapping/>
+  </p:clrMapOvr>
+</p:sld>
+</file>
+
+<file path=ppt/slides/slide11.xml><?xml version="1.0" encoding="utf-8"?>
+<p:sld xmlns:a="http://schemas.openxmlformats.org/drawingml/2006/main" xmlns:r="http://schemas.openxmlformats.org/officeDocument/2006/relationships" xmlns:p="http://schemas.openxmlformats.org/presentationml/2006/main">
+  <p:cSld>
+    <p:spTree>
+      <p:nvGrpSpPr>
+        <p:cNvPr id="1" name=""/>
+        <p:cNvGrpSpPr/>
+        <p:nvPr/>
+      </p:nvGrpSpPr>
+      <p:grpSpPr>
+        <a:xfrm>
+          <a:off x="0" y="0"/>
+          <a:ext cx="0" cy="0"/>
+          <a:chOff x="0" y="0"/>
+          <a:chExt cx="0" cy="0"/>
+        </a:xfrm>
+      </p:grpSpPr>
+      <p:sp>
+        <p:nvSpPr>
+          <p:cNvPr id="2" name="TextBox 1"/>
+          <p:cNvSpPr txBox="1"/>
+          <p:nvPr/>
+        </p:nvSpPr>
+        <p:spPr>
+          <a:xfrm>
+            <a:off x="808892" y="536331"/>
+            <a:ext cx="2539221" cy="369332"/>
+          </a:xfrm>
+          <a:prstGeom prst="rect">
+            <a:avLst/>
+          </a:prstGeom>
+          <a:noFill/>
+        </p:spPr>
+        <p:txBody>
+          <a:bodyPr wrap="none" rtlCol="0">
+            <a:spAutoFit/>
+          </a:bodyPr>
+          <a:lstStyle/>
+          <a:p>
+            <a:r>
+              <a:rPr lang="en-US" altLang="ko-KR" dirty="0" smtClean="0"/>
+              <a:t>Spring Boot Validation</a:t>
+            </a:r>
+            <a:endParaRPr lang="en-US" altLang="ko-KR" dirty="0"/>
+          </a:p>
+        </p:txBody>
+      </p:sp>
+    </p:spTree>
+    <p:extLst>
+      <p:ext uri="{BB962C8B-B14F-4D97-AF65-F5344CB8AC3E}">
+        <p14:creationId xmlns:p14="http://schemas.microsoft.com/office/powerpoint/2010/main" val="1614181480"/>
+      </p:ext>
+    </p:extLst>
+  </p:cSld>
+  <p:clrMapOvr>
+    <a:masterClrMapping/>
+  </p:clrMapOvr>
+</p:sld>
+</file>
+
 <file path=ppt/slides/slide2.xml><?xml version="1.0" encoding="utf-8"?>
 <p:sld xmlns:a="http://schemas.openxmlformats.org/drawingml/2006/main" xmlns:r="http://schemas.openxmlformats.org/officeDocument/2006/relationships" xmlns:p="http://schemas.openxmlformats.org/presentationml/2006/main">
   <p:cSld>
@@ -6576,7 +6884,6 @@
               <a:rPr lang="en-US" altLang="ko-KR" dirty="0" smtClean="0"/>
               <a:t>-&gt; </a:t>
             </a:r>
-            <a:endParaRPr lang="en-US" altLang="ko-KR" dirty="0" smtClean="0"/>
           </a:p>
           <a:p>
             <a:r>

--- a/rest-api.pptx
+++ b/rest-api.pptx
@@ -16,6 +16,8 @@
     <p:sldId id="264" r:id="rId10"/>
     <p:sldId id="265" r:id="rId11"/>
     <p:sldId id="266" r:id="rId12"/>
+    <p:sldId id="267" r:id="rId13"/>
+    <p:sldId id="268" r:id="rId14"/>
   </p:sldIdLst>
   <p:sldSz cx="12192000" cy="6858000"/>
   <p:notesSz cx="6858000" cy="9144000"/>
@@ -4582,10 +4584,1479 @@
           </a:p>
         </p:txBody>
       </p:sp>
+      <p:sp>
+        <p:nvSpPr>
+          <p:cNvPr id="3" name="직사각형 2"/>
+          <p:cNvSpPr/>
+          <p:nvPr/>
+        </p:nvSpPr>
+        <p:spPr>
+          <a:xfrm>
+            <a:off x="905608" y="1213338"/>
+            <a:ext cx="2039815" cy="4149970"/>
+          </a:xfrm>
+          <a:prstGeom prst="rect">
+            <a:avLst/>
+          </a:prstGeom>
+          <a:noFill/>
+        </p:spPr>
+        <p:style>
+          <a:lnRef idx="2">
+            <a:schemeClr val="accent1">
+              <a:shade val="50000"/>
+            </a:schemeClr>
+          </a:lnRef>
+          <a:fillRef idx="1">
+            <a:schemeClr val="accent1"/>
+          </a:fillRef>
+          <a:effectRef idx="0">
+            <a:schemeClr val="accent1"/>
+          </a:effectRef>
+          <a:fontRef idx="minor">
+            <a:schemeClr val="lt1"/>
+          </a:fontRef>
+        </p:style>
+        <p:txBody>
+          <a:bodyPr rtlCol="0" anchor="ctr"/>
+          <a:lstStyle/>
+          <a:p>
+            <a:pPr algn="ctr"/>
+            <a:endParaRPr lang="ko-KR" altLang="en-US">
+              <a:solidFill>
+                <a:schemeClr val="tx1"/>
+              </a:solidFill>
+            </a:endParaRPr>
+          </a:p>
+        </p:txBody>
+      </p:sp>
+      <p:sp>
+        <p:nvSpPr>
+          <p:cNvPr id="4" name="직사각형 3"/>
+          <p:cNvSpPr/>
+          <p:nvPr/>
+        </p:nvSpPr>
+        <p:spPr>
+          <a:xfrm>
+            <a:off x="905608" y="1213338"/>
+            <a:ext cx="2039815" cy="940777"/>
+          </a:xfrm>
+          <a:prstGeom prst="rect">
+            <a:avLst/>
+          </a:prstGeom>
+          <a:noFill/>
+        </p:spPr>
+        <p:style>
+          <a:lnRef idx="2">
+            <a:schemeClr val="accent1">
+              <a:shade val="50000"/>
+            </a:schemeClr>
+          </a:lnRef>
+          <a:fillRef idx="1">
+            <a:schemeClr val="accent1"/>
+          </a:fillRef>
+          <a:effectRef idx="0">
+            <a:schemeClr val="accent1"/>
+          </a:effectRef>
+          <a:fontRef idx="minor">
+            <a:schemeClr val="lt1"/>
+          </a:fontRef>
+        </p:style>
+        <p:txBody>
+          <a:bodyPr rtlCol="0" anchor="ctr"/>
+          <a:lstStyle/>
+          <a:p>
+            <a:pPr algn="ctr"/>
+            <a:r>
+              <a:rPr lang="en-US" altLang="ko-KR" dirty="0" smtClean="0">
+                <a:solidFill>
+                  <a:schemeClr val="tx1"/>
+                </a:solidFill>
+              </a:rPr>
+              <a:t>Header</a:t>
+            </a:r>
+            <a:endParaRPr lang="ko-KR" altLang="en-US" dirty="0">
+              <a:solidFill>
+                <a:schemeClr val="tx1"/>
+              </a:solidFill>
+            </a:endParaRPr>
+          </a:p>
+        </p:txBody>
+      </p:sp>
+      <p:sp>
+        <p:nvSpPr>
+          <p:cNvPr id="5" name="직사각형 4"/>
+          <p:cNvSpPr/>
+          <p:nvPr/>
+        </p:nvSpPr>
+        <p:spPr>
+          <a:xfrm>
+            <a:off x="905608" y="2154115"/>
+            <a:ext cx="2039815" cy="3209193"/>
+          </a:xfrm>
+          <a:prstGeom prst="rect">
+            <a:avLst/>
+          </a:prstGeom>
+          <a:noFill/>
+        </p:spPr>
+        <p:style>
+          <a:lnRef idx="2">
+            <a:schemeClr val="accent1">
+              <a:shade val="50000"/>
+            </a:schemeClr>
+          </a:lnRef>
+          <a:fillRef idx="1">
+            <a:schemeClr val="accent1"/>
+          </a:fillRef>
+          <a:effectRef idx="0">
+            <a:schemeClr val="accent1"/>
+          </a:effectRef>
+          <a:fontRef idx="minor">
+            <a:schemeClr val="lt1"/>
+          </a:fontRef>
+        </p:style>
+        <p:txBody>
+          <a:bodyPr rtlCol="0" anchor="ctr"/>
+          <a:lstStyle/>
+          <a:p>
+            <a:pPr algn="ctr"/>
+            <a:r>
+              <a:rPr lang="en-US" altLang="ko-KR" dirty="0" smtClean="0">
+                <a:solidFill>
+                  <a:schemeClr val="tx1"/>
+                </a:solidFill>
+              </a:rPr>
+              <a:t>Body</a:t>
+            </a:r>
+            <a:endParaRPr lang="ko-KR" altLang="en-US" dirty="0">
+              <a:solidFill>
+                <a:schemeClr val="tx1"/>
+              </a:solidFill>
+            </a:endParaRPr>
+          </a:p>
+        </p:txBody>
+      </p:sp>
+      <p:sp>
+        <p:nvSpPr>
+          <p:cNvPr id="6" name="TextBox 5"/>
+          <p:cNvSpPr txBox="1"/>
+          <p:nvPr/>
+        </p:nvSpPr>
+        <p:spPr>
+          <a:xfrm>
+            <a:off x="3112477" y="2154115"/>
+            <a:ext cx="2179123" cy="1754326"/>
+          </a:xfrm>
+          <a:prstGeom prst="rect">
+            <a:avLst/>
+          </a:prstGeom>
+          <a:noFill/>
+        </p:spPr>
+        <p:txBody>
+          <a:bodyPr wrap="none" rtlCol="0">
+            <a:spAutoFit/>
+          </a:bodyPr>
+          <a:lstStyle/>
+          <a:p>
+            <a:r>
+              <a:rPr lang="en-US" altLang="ko-KR" dirty="0" smtClean="0"/>
+              <a:t>{</a:t>
+            </a:r>
+          </a:p>
+          <a:p>
+            <a:r>
+              <a:rPr lang="en-US" altLang="ko-KR" dirty="0" smtClean="0">
+                <a:solidFill>
+                  <a:srgbClr val="FF0000"/>
+                </a:solidFill>
+              </a:rPr>
+              <a:t>“name”:””, </a:t>
+            </a:r>
+          </a:p>
+          <a:p>
+            <a:r>
+              <a:rPr lang="en-US" altLang="ko-KR" dirty="0" smtClean="0"/>
+              <a:t>“age”: 20, </a:t>
+            </a:r>
+          </a:p>
+          <a:p>
+            <a:r>
+              <a:rPr lang="en-US" altLang="ko-KR" dirty="0" smtClean="0">
+                <a:solidFill>
+                  <a:srgbClr val="FF0000"/>
+                </a:solidFill>
+              </a:rPr>
+              <a:t>“email”: “”, </a:t>
+            </a:r>
+          </a:p>
+          <a:p>
+            <a:r>
+              <a:rPr lang="en-US" altLang="ko-KR" dirty="0" smtClean="0">
+                <a:solidFill>
+                  <a:srgbClr val="FF0000"/>
+                </a:solidFill>
+              </a:rPr>
+              <a:t>“</a:t>
+            </a:r>
+            <a:r>
+              <a:rPr lang="en-US" altLang="ko-KR" dirty="0" err="1" smtClean="0">
+                <a:solidFill>
+                  <a:srgbClr val="FF0000"/>
+                </a:solidFill>
+              </a:rPr>
+              <a:t>phone_number</a:t>
+            </a:r>
+            <a:r>
+              <a:rPr lang="en-US" altLang="ko-KR" dirty="0" smtClean="0">
+                <a:solidFill>
+                  <a:srgbClr val="FF0000"/>
+                </a:solidFill>
+              </a:rPr>
+              <a:t>”:””</a:t>
+            </a:r>
+          </a:p>
+          <a:p>
+            <a:r>
+              <a:rPr lang="en-US" altLang="ko-KR" dirty="0"/>
+              <a:t>}</a:t>
+            </a:r>
+            <a:endParaRPr lang="ko-KR" altLang="en-US" dirty="0"/>
+          </a:p>
+        </p:txBody>
+      </p:sp>
+      <p:sp>
+        <p:nvSpPr>
+          <p:cNvPr id="7" name="TextBox 6"/>
+          <p:cNvSpPr txBox="1"/>
+          <p:nvPr/>
+        </p:nvSpPr>
+        <p:spPr>
+          <a:xfrm>
+            <a:off x="5020407" y="536331"/>
+            <a:ext cx="3462423" cy="369332"/>
+          </a:xfrm>
+          <a:prstGeom prst="rect">
+            <a:avLst/>
+          </a:prstGeom>
+          <a:noFill/>
+        </p:spPr>
+        <p:txBody>
+          <a:bodyPr wrap="none" rtlCol="0">
+            <a:spAutoFit/>
+          </a:bodyPr>
+          <a:lstStyle/>
+          <a:p>
+            <a:r>
+              <a:rPr lang="en-US" altLang="ko-KR" b="1" dirty="0" smtClean="0"/>
+              <a:t>spring-boot-starter-validation</a:t>
+            </a:r>
+            <a:endParaRPr lang="ko-KR" altLang="en-US" b="1" dirty="0"/>
+          </a:p>
+        </p:txBody>
+      </p:sp>
+      <p:sp>
+        <p:nvSpPr>
+          <p:cNvPr id="8" name="TextBox 7"/>
+          <p:cNvSpPr txBox="1"/>
+          <p:nvPr/>
+        </p:nvSpPr>
+        <p:spPr>
+          <a:xfrm>
+            <a:off x="3112477" y="4716977"/>
+            <a:ext cx="3672800" cy="646331"/>
+          </a:xfrm>
+          <a:prstGeom prst="rect">
+            <a:avLst/>
+          </a:prstGeom>
+          <a:noFill/>
+        </p:spPr>
+        <p:txBody>
+          <a:bodyPr wrap="none" rtlCol="0">
+            <a:spAutoFit/>
+          </a:bodyPr>
+          <a:lstStyle/>
+          <a:p>
+            <a:r>
+              <a:rPr lang="en-US" altLang="ko-KR" b="1" dirty="0" smtClean="0"/>
+              <a:t>** java </a:t>
+            </a:r>
+            <a:r>
+              <a:rPr lang="ko-KR" altLang="en-US" b="1" dirty="0" smtClean="0"/>
+              <a:t>핸드폰 정규식</a:t>
+            </a:r>
+            <a:endParaRPr lang="en-US" altLang="ko-KR" b="1" dirty="0" smtClean="0"/>
+          </a:p>
+          <a:p>
+            <a:r>
+              <a:rPr lang="en-US" altLang="ko-KR" b="1" dirty="0" smtClean="0"/>
+              <a:t>“^\\d{2,3}-\\d{3,4}-\\d{4</a:t>
+            </a:r>
+            <a:r>
+              <a:rPr lang="en-US" altLang="ko-KR" b="1" dirty="0" smtClean="0"/>
+              <a:t>}$”</a:t>
+            </a:r>
+            <a:endParaRPr lang="ko-KR" altLang="en-US" b="1" dirty="0"/>
+          </a:p>
+        </p:txBody>
+      </p:sp>
+      <p:sp>
+        <p:nvSpPr>
+          <p:cNvPr id="9" name="TextBox 8"/>
+          <p:cNvSpPr txBox="1"/>
+          <p:nvPr/>
+        </p:nvSpPr>
+        <p:spPr>
+          <a:xfrm>
+            <a:off x="5291600" y="2039815"/>
+            <a:ext cx="5804794" cy="1200329"/>
+          </a:xfrm>
+          <a:prstGeom prst="rect">
+            <a:avLst/>
+          </a:prstGeom>
+          <a:noFill/>
+        </p:spPr>
+        <p:txBody>
+          <a:bodyPr wrap="none" rtlCol="0">
+            <a:spAutoFit/>
+          </a:bodyPr>
+          <a:lstStyle/>
+          <a:p>
+            <a:r>
+              <a:rPr lang="ko-KR" altLang="en-US" b="1" dirty="0" smtClean="0"/>
+              <a:t>필요성</a:t>
+            </a:r>
+            <a:endParaRPr lang="en-US" altLang="ko-KR" b="1" dirty="0" smtClean="0"/>
+          </a:p>
+          <a:p>
+            <a:r>
+              <a:rPr lang="ko-KR" altLang="en-US" dirty="0" smtClean="0"/>
+              <a:t>유효성 검증은 필요하지만</a:t>
+            </a:r>
+            <a:r>
+              <a:rPr lang="en-US" altLang="ko-KR" dirty="0" smtClean="0"/>
+              <a:t>, </a:t>
+            </a:r>
+            <a:r>
+              <a:rPr lang="ko-KR" altLang="en-US" dirty="0" smtClean="0"/>
+              <a:t>검증 코드의 길이가 </a:t>
+            </a:r>
+            <a:r>
+              <a:rPr lang="ko-KR" altLang="en-US" dirty="0" err="1" smtClean="0"/>
+              <a:t>길어짐</a:t>
+            </a:r>
+            <a:endParaRPr lang="en-US" altLang="ko-KR" dirty="0" smtClean="0"/>
+          </a:p>
+          <a:p>
+            <a:r>
+              <a:rPr lang="ko-KR" altLang="en-US" dirty="0" smtClean="0"/>
+              <a:t>흩어진 경우는 </a:t>
+            </a:r>
+            <a:r>
+              <a:rPr lang="ko-KR" altLang="en-US" dirty="0" smtClean="0"/>
+              <a:t>검증 </a:t>
+            </a:r>
+            <a:r>
+              <a:rPr lang="ko-KR" altLang="en-US" dirty="0" err="1" smtClean="0"/>
+              <a:t>로직</a:t>
+            </a:r>
+            <a:r>
+              <a:rPr lang="ko-KR" altLang="en-US" dirty="0" smtClean="0"/>
+              <a:t> </a:t>
+            </a:r>
+            <a:r>
+              <a:rPr lang="ko-KR" altLang="en-US" dirty="0" smtClean="0"/>
+              <a:t>찾기 어려움</a:t>
+            </a:r>
+            <a:endParaRPr lang="en-US" altLang="ko-KR" dirty="0" smtClean="0"/>
+          </a:p>
+          <a:p>
+            <a:r>
+              <a:rPr lang="ko-KR" altLang="en-US" dirty="0" smtClean="0"/>
+              <a:t>테스트 어려움</a:t>
+            </a:r>
+            <a:endParaRPr lang="ko-KR" altLang="en-US" dirty="0"/>
+          </a:p>
+        </p:txBody>
+      </p:sp>
     </p:spTree>
     <p:extLst>
       <p:ext uri="{BB962C8B-B14F-4D97-AF65-F5344CB8AC3E}">
         <p14:creationId xmlns:p14="http://schemas.microsoft.com/office/powerpoint/2010/main" val="1614181480"/>
+      </p:ext>
+    </p:extLst>
+  </p:cSld>
+  <p:clrMapOvr>
+    <a:masterClrMapping/>
+  </p:clrMapOvr>
+</p:sld>
+</file>
+
+<file path=ppt/slides/slide12.xml><?xml version="1.0" encoding="utf-8"?>
+<p:sld xmlns:a="http://schemas.openxmlformats.org/drawingml/2006/main" xmlns:r="http://schemas.openxmlformats.org/officeDocument/2006/relationships" xmlns:p="http://schemas.openxmlformats.org/presentationml/2006/main">
+  <p:cSld>
+    <p:spTree>
+      <p:nvGrpSpPr>
+        <p:cNvPr id="1" name=""/>
+        <p:cNvGrpSpPr/>
+        <p:nvPr/>
+      </p:nvGrpSpPr>
+      <p:grpSpPr>
+        <a:xfrm>
+          <a:off x="0" y="0"/>
+          <a:ext cx="0" cy="0"/>
+          <a:chOff x="0" y="0"/>
+          <a:chExt cx="0" cy="0"/>
+        </a:xfrm>
+      </p:grpSpPr>
+      <p:sp>
+        <p:nvSpPr>
+          <p:cNvPr id="2" name="TextBox 1"/>
+          <p:cNvSpPr txBox="1"/>
+          <p:nvPr/>
+        </p:nvSpPr>
+        <p:spPr>
+          <a:xfrm>
+            <a:off x="808892" y="536331"/>
+            <a:ext cx="2539221" cy="369332"/>
+          </a:xfrm>
+          <a:prstGeom prst="rect">
+            <a:avLst/>
+          </a:prstGeom>
+          <a:noFill/>
+        </p:spPr>
+        <p:txBody>
+          <a:bodyPr wrap="none" rtlCol="0">
+            <a:spAutoFit/>
+          </a:bodyPr>
+          <a:lstStyle/>
+          <a:p>
+            <a:r>
+              <a:rPr lang="en-US" altLang="ko-KR" dirty="0" smtClean="0"/>
+              <a:t>Spring Boot Validation</a:t>
+            </a:r>
+            <a:endParaRPr lang="en-US" altLang="ko-KR" dirty="0"/>
+          </a:p>
+        </p:txBody>
+      </p:sp>
+      <p:graphicFrame>
+        <p:nvGraphicFramePr>
+          <p:cNvPr id="10" name="표 9"/>
+          <p:cNvGraphicFramePr>
+            <a:graphicFrameLocks noGrp="1"/>
+          </p:cNvGraphicFramePr>
+          <p:nvPr>
+            <p:extLst>
+              <p:ext uri="{D42A27DB-BD31-4B8C-83A1-F6EECF244321}">
+                <p14:modId xmlns:p14="http://schemas.microsoft.com/office/powerpoint/2010/main" val="3455758180"/>
+              </p:ext>
+            </p:extLst>
+          </p:nvPr>
+        </p:nvGraphicFramePr>
+        <p:xfrm>
+          <a:off x="924169" y="1203244"/>
+          <a:ext cx="10391532" cy="4820920"/>
+        </p:xfrm>
+        <a:graphic>
+          <a:graphicData uri="http://schemas.openxmlformats.org/drawingml/2006/table">
+            <a:tbl>
+              <a:tblPr>
+                <a:tableStyleId>{5C22544A-7EE6-4342-B048-85BDC9FD1C3A}</a:tableStyleId>
+              </a:tblPr>
+              <a:tblGrid>
+                <a:gridCol w="3463844">
+                  <a:extLst>
+                    <a:ext uri="{9D8B030D-6E8A-4147-A177-3AD203B41FA5}">
+                      <a16:colId xmlns:a16="http://schemas.microsoft.com/office/drawing/2014/main" val="1311586739"/>
+                    </a:ext>
+                  </a:extLst>
+                </a:gridCol>
+                <a:gridCol w="3463844">
+                  <a:extLst>
+                    <a:ext uri="{9D8B030D-6E8A-4147-A177-3AD203B41FA5}">
+                      <a16:colId xmlns:a16="http://schemas.microsoft.com/office/drawing/2014/main" val="1829265285"/>
+                    </a:ext>
+                  </a:extLst>
+                </a:gridCol>
+                <a:gridCol w="3463844">
+                  <a:extLst>
+                    <a:ext uri="{9D8B030D-6E8A-4147-A177-3AD203B41FA5}">
+                      <a16:colId xmlns:a16="http://schemas.microsoft.com/office/drawing/2014/main" val="1791562570"/>
+                    </a:ext>
+                  </a:extLst>
+                </a:gridCol>
+              </a:tblGrid>
+              <a:tr h="370840">
+                <a:tc>
+                  <a:txBody>
+                    <a:bodyPr/>
+                    <a:lstStyle/>
+                    <a:p>
+                      <a:pPr latinLnBrk="1"/>
+                      <a:r>
+                        <a:rPr lang="en-US" altLang="ko-KR" dirty="0" smtClean="0"/>
+                        <a:t>@Size</a:t>
+                      </a:r>
+                      <a:endParaRPr lang="ko-KR" altLang="en-US" dirty="0"/>
+                    </a:p>
+                  </a:txBody>
+                  <a:tcPr/>
+                </a:tc>
+                <a:tc>
+                  <a:txBody>
+                    <a:bodyPr/>
+                    <a:lstStyle/>
+                    <a:p>
+                      <a:pPr latinLnBrk="1"/>
+                      <a:r>
+                        <a:rPr lang="ko-KR" altLang="en-US" dirty="0" smtClean="0"/>
+                        <a:t>문자 길이 측정</a:t>
+                      </a:r>
+                      <a:endParaRPr lang="ko-KR" altLang="en-US" dirty="0"/>
+                    </a:p>
+                  </a:txBody>
+                  <a:tcPr/>
+                </a:tc>
+                <a:tc>
+                  <a:txBody>
+                    <a:bodyPr/>
+                    <a:lstStyle/>
+                    <a:p>
+                      <a:pPr latinLnBrk="1"/>
+                      <a:r>
+                        <a:rPr lang="en-US" altLang="ko-KR" dirty="0" err="1" smtClean="0"/>
+                        <a:t>Int</a:t>
+                      </a:r>
+                      <a:r>
+                        <a:rPr lang="en-US" altLang="ko-KR" dirty="0" smtClean="0"/>
+                        <a:t> Type </a:t>
+                      </a:r>
+                      <a:r>
+                        <a:rPr lang="ko-KR" altLang="en-US" dirty="0" smtClean="0"/>
+                        <a:t>불가</a:t>
+                      </a:r>
+                      <a:endParaRPr lang="ko-KR" altLang="en-US" dirty="0"/>
+                    </a:p>
+                  </a:txBody>
+                  <a:tcPr/>
+                </a:tc>
+                <a:extLst>
+                  <a:ext uri="{0D108BD9-81ED-4DB2-BD59-A6C34878D82A}">
+                    <a16:rowId xmlns:a16="http://schemas.microsoft.com/office/drawing/2014/main" val="1296429898"/>
+                  </a:ext>
+                </a:extLst>
+              </a:tr>
+              <a:tr h="370840">
+                <a:tc>
+                  <a:txBody>
+                    <a:bodyPr/>
+                    <a:lstStyle/>
+                    <a:p>
+                      <a:pPr latinLnBrk="1"/>
+                      <a:r>
+                        <a:rPr lang="en-US" altLang="ko-KR" dirty="0" smtClean="0"/>
+                        <a:t>@</a:t>
+                      </a:r>
+                      <a:r>
+                        <a:rPr lang="en-US" altLang="ko-KR" dirty="0" err="1" smtClean="0"/>
+                        <a:t>NotNull</a:t>
+                      </a:r>
+                      <a:endParaRPr lang="ko-KR" altLang="en-US" dirty="0"/>
+                    </a:p>
+                  </a:txBody>
+                  <a:tcPr/>
+                </a:tc>
+                <a:tc>
+                  <a:txBody>
+                    <a:bodyPr/>
+                    <a:lstStyle/>
+                    <a:p>
+                      <a:pPr latinLnBrk="1"/>
+                      <a:r>
+                        <a:rPr lang="en-US" altLang="ko-KR" dirty="0" smtClean="0"/>
+                        <a:t>null </a:t>
+                      </a:r>
+                      <a:r>
+                        <a:rPr lang="ko-KR" altLang="en-US" dirty="0" smtClean="0"/>
+                        <a:t>불가</a:t>
+                      </a:r>
+                      <a:endParaRPr lang="ko-KR" altLang="en-US" dirty="0"/>
+                    </a:p>
+                  </a:txBody>
+                  <a:tcPr/>
+                </a:tc>
+                <a:tc>
+                  <a:txBody>
+                    <a:bodyPr/>
+                    <a:lstStyle/>
+                    <a:p>
+                      <a:pPr latinLnBrk="1"/>
+                      <a:endParaRPr lang="ko-KR" altLang="en-US"/>
+                    </a:p>
+                  </a:txBody>
+                  <a:tcPr/>
+                </a:tc>
+                <a:extLst>
+                  <a:ext uri="{0D108BD9-81ED-4DB2-BD59-A6C34878D82A}">
+                    <a16:rowId xmlns:a16="http://schemas.microsoft.com/office/drawing/2014/main" val="2138558397"/>
+                  </a:ext>
+                </a:extLst>
+              </a:tr>
+              <a:tr h="370840">
+                <a:tc>
+                  <a:txBody>
+                    <a:bodyPr/>
+                    <a:lstStyle/>
+                    <a:p>
+                      <a:pPr latinLnBrk="1"/>
+                      <a:r>
+                        <a:rPr lang="en-US" altLang="ko-KR" dirty="0" smtClean="0"/>
+                        <a:t>@</a:t>
+                      </a:r>
+                      <a:r>
+                        <a:rPr lang="en-US" altLang="ko-KR" dirty="0" err="1" smtClean="0"/>
+                        <a:t>NotEmpty</a:t>
+                      </a:r>
+                      <a:endParaRPr lang="ko-KR" altLang="en-US" dirty="0"/>
+                    </a:p>
+                  </a:txBody>
+                  <a:tcPr/>
+                </a:tc>
+                <a:tc>
+                  <a:txBody>
+                    <a:bodyPr/>
+                    <a:lstStyle/>
+                    <a:p>
+                      <a:pPr latinLnBrk="1"/>
+                      <a:r>
+                        <a:rPr lang="en-US" altLang="ko-KR" dirty="0" smtClean="0"/>
+                        <a:t>null,</a:t>
+                      </a:r>
+                      <a:r>
+                        <a:rPr lang="en-US" altLang="ko-KR" baseline="0" dirty="0" smtClean="0"/>
+                        <a:t> “” </a:t>
+                      </a:r>
+                      <a:r>
+                        <a:rPr lang="ko-KR" altLang="en-US" baseline="0" dirty="0" smtClean="0"/>
+                        <a:t>불가</a:t>
+                      </a:r>
+                      <a:endParaRPr lang="ko-KR" altLang="en-US" dirty="0"/>
+                    </a:p>
+                  </a:txBody>
+                  <a:tcPr/>
+                </a:tc>
+                <a:tc>
+                  <a:txBody>
+                    <a:bodyPr/>
+                    <a:lstStyle/>
+                    <a:p>
+                      <a:pPr latinLnBrk="1"/>
+                      <a:endParaRPr lang="ko-KR" altLang="en-US"/>
+                    </a:p>
+                  </a:txBody>
+                  <a:tcPr/>
+                </a:tc>
+                <a:extLst>
+                  <a:ext uri="{0D108BD9-81ED-4DB2-BD59-A6C34878D82A}">
+                    <a16:rowId xmlns:a16="http://schemas.microsoft.com/office/drawing/2014/main" val="3879202127"/>
+                  </a:ext>
+                </a:extLst>
+              </a:tr>
+              <a:tr h="370840">
+                <a:tc>
+                  <a:txBody>
+                    <a:bodyPr/>
+                    <a:lstStyle/>
+                    <a:p>
+                      <a:pPr latinLnBrk="1"/>
+                      <a:r>
+                        <a:rPr lang="en-US" altLang="ko-KR" dirty="0" smtClean="0"/>
+                        <a:t>@</a:t>
+                      </a:r>
+                      <a:r>
+                        <a:rPr lang="en-US" altLang="ko-KR" dirty="0" err="1" smtClean="0"/>
+                        <a:t>NotBlank</a:t>
+                      </a:r>
+                      <a:endParaRPr lang="ko-KR" altLang="en-US" dirty="0"/>
+                    </a:p>
+                  </a:txBody>
+                  <a:tcPr/>
+                </a:tc>
+                <a:tc>
+                  <a:txBody>
+                    <a:bodyPr/>
+                    <a:lstStyle/>
+                    <a:p>
+                      <a:pPr latinLnBrk="1"/>
+                      <a:r>
+                        <a:rPr lang="en-US" altLang="ko-KR" dirty="0" smtClean="0"/>
+                        <a:t>null,</a:t>
+                      </a:r>
+                      <a:r>
+                        <a:rPr lang="en-US" altLang="ko-KR" baseline="0" dirty="0" smtClean="0"/>
+                        <a:t> “”, “ “ </a:t>
+                      </a:r>
+                      <a:r>
+                        <a:rPr lang="ko-KR" altLang="en-US" baseline="0" dirty="0" smtClean="0"/>
+                        <a:t>불가</a:t>
+                      </a:r>
+                      <a:endParaRPr lang="ko-KR" altLang="en-US" dirty="0"/>
+                    </a:p>
+                  </a:txBody>
+                  <a:tcPr/>
+                </a:tc>
+                <a:tc>
+                  <a:txBody>
+                    <a:bodyPr/>
+                    <a:lstStyle/>
+                    <a:p>
+                      <a:pPr latinLnBrk="1"/>
+                      <a:endParaRPr lang="ko-KR" altLang="en-US"/>
+                    </a:p>
+                  </a:txBody>
+                  <a:tcPr/>
+                </a:tc>
+                <a:extLst>
+                  <a:ext uri="{0D108BD9-81ED-4DB2-BD59-A6C34878D82A}">
+                    <a16:rowId xmlns:a16="http://schemas.microsoft.com/office/drawing/2014/main" val="4045082279"/>
+                  </a:ext>
+                </a:extLst>
+              </a:tr>
+              <a:tr h="370840">
+                <a:tc>
+                  <a:txBody>
+                    <a:bodyPr/>
+                    <a:lstStyle/>
+                    <a:p>
+                      <a:pPr latinLnBrk="1"/>
+                      <a:r>
+                        <a:rPr lang="en-US" altLang="ko-KR" dirty="0" smtClean="0"/>
+                        <a:t>@Pattern</a:t>
+                      </a:r>
+                      <a:endParaRPr lang="ko-KR" altLang="en-US" dirty="0"/>
+                    </a:p>
+                  </a:txBody>
+                  <a:tcPr/>
+                </a:tc>
+                <a:tc>
+                  <a:txBody>
+                    <a:bodyPr/>
+                    <a:lstStyle/>
+                    <a:p>
+                      <a:pPr latinLnBrk="1"/>
+                      <a:r>
+                        <a:rPr lang="ko-KR" altLang="en-US" dirty="0" smtClean="0"/>
+                        <a:t>정규식 사용</a:t>
+                      </a:r>
+                      <a:endParaRPr lang="ko-KR" altLang="en-US" dirty="0"/>
+                    </a:p>
+                  </a:txBody>
+                  <a:tcPr/>
+                </a:tc>
+                <a:tc>
+                  <a:txBody>
+                    <a:bodyPr/>
+                    <a:lstStyle/>
+                    <a:p>
+                      <a:pPr latinLnBrk="1"/>
+                      <a:endParaRPr lang="ko-KR" altLang="en-US"/>
+                    </a:p>
+                  </a:txBody>
+                  <a:tcPr/>
+                </a:tc>
+                <a:extLst>
+                  <a:ext uri="{0D108BD9-81ED-4DB2-BD59-A6C34878D82A}">
+                    <a16:rowId xmlns:a16="http://schemas.microsoft.com/office/drawing/2014/main" val="1816375889"/>
+                  </a:ext>
+                </a:extLst>
+              </a:tr>
+              <a:tr h="370840">
+                <a:tc>
+                  <a:txBody>
+                    <a:bodyPr/>
+                    <a:lstStyle/>
+                    <a:p>
+                      <a:pPr latinLnBrk="1"/>
+                      <a:r>
+                        <a:rPr lang="en-US" altLang="ko-KR" dirty="0" smtClean="0"/>
+                        <a:t>@Max</a:t>
+                      </a:r>
+                      <a:endParaRPr lang="ko-KR" altLang="en-US" dirty="0"/>
+                    </a:p>
+                  </a:txBody>
+                  <a:tcPr/>
+                </a:tc>
+                <a:tc>
+                  <a:txBody>
+                    <a:bodyPr/>
+                    <a:lstStyle/>
+                    <a:p>
+                      <a:pPr latinLnBrk="1"/>
+                      <a:r>
+                        <a:rPr lang="ko-KR" altLang="en-US" dirty="0" smtClean="0"/>
+                        <a:t>최대값</a:t>
+                      </a:r>
+                      <a:endParaRPr lang="ko-KR" altLang="en-US" dirty="0"/>
+                    </a:p>
+                  </a:txBody>
+                  <a:tcPr/>
+                </a:tc>
+                <a:tc>
+                  <a:txBody>
+                    <a:bodyPr/>
+                    <a:lstStyle/>
+                    <a:p>
+                      <a:pPr latinLnBrk="1"/>
+                      <a:endParaRPr lang="ko-KR" altLang="en-US"/>
+                    </a:p>
+                  </a:txBody>
+                  <a:tcPr/>
+                </a:tc>
+                <a:extLst>
+                  <a:ext uri="{0D108BD9-81ED-4DB2-BD59-A6C34878D82A}">
+                    <a16:rowId xmlns:a16="http://schemas.microsoft.com/office/drawing/2014/main" val="3161923566"/>
+                  </a:ext>
+                </a:extLst>
+              </a:tr>
+              <a:tr h="370840">
+                <a:tc>
+                  <a:txBody>
+                    <a:bodyPr/>
+                    <a:lstStyle/>
+                    <a:p>
+                      <a:pPr latinLnBrk="1"/>
+                      <a:r>
+                        <a:rPr lang="en-US" altLang="ko-KR" dirty="0" smtClean="0"/>
+                        <a:t>@Min</a:t>
+                      </a:r>
+                      <a:endParaRPr lang="ko-KR" altLang="en-US" dirty="0"/>
+                    </a:p>
+                  </a:txBody>
+                  <a:tcPr/>
+                </a:tc>
+                <a:tc>
+                  <a:txBody>
+                    <a:bodyPr/>
+                    <a:lstStyle/>
+                    <a:p>
+                      <a:pPr latinLnBrk="1"/>
+                      <a:r>
+                        <a:rPr lang="ko-KR" altLang="en-US" dirty="0" smtClean="0"/>
+                        <a:t>최소값</a:t>
+                      </a:r>
+                      <a:endParaRPr lang="ko-KR" altLang="en-US" dirty="0"/>
+                    </a:p>
+                  </a:txBody>
+                  <a:tcPr/>
+                </a:tc>
+                <a:tc>
+                  <a:txBody>
+                    <a:bodyPr/>
+                    <a:lstStyle/>
+                    <a:p>
+                      <a:pPr latinLnBrk="1"/>
+                      <a:endParaRPr lang="ko-KR" altLang="en-US"/>
+                    </a:p>
+                  </a:txBody>
+                  <a:tcPr/>
+                </a:tc>
+                <a:extLst>
+                  <a:ext uri="{0D108BD9-81ED-4DB2-BD59-A6C34878D82A}">
+                    <a16:rowId xmlns:a16="http://schemas.microsoft.com/office/drawing/2014/main" val="1283242251"/>
+                  </a:ext>
+                </a:extLst>
+              </a:tr>
+              <a:tr h="370840">
+                <a:tc>
+                  <a:txBody>
+                    <a:bodyPr/>
+                    <a:lstStyle/>
+                    <a:p>
+                      <a:pPr latinLnBrk="1"/>
+                      <a:r>
+                        <a:rPr lang="en-US" altLang="ko-KR" dirty="0" smtClean="0"/>
+                        <a:t>@</a:t>
+                      </a:r>
+                      <a:r>
+                        <a:rPr lang="en-US" altLang="ko-KR" dirty="0" err="1" smtClean="0"/>
+                        <a:t>AssertTrue</a:t>
+                      </a:r>
+                      <a:r>
+                        <a:rPr lang="en-US" altLang="ko-KR" dirty="0" smtClean="0"/>
+                        <a:t> / False</a:t>
+                      </a:r>
+                      <a:endParaRPr lang="ko-KR" altLang="en-US" dirty="0"/>
+                    </a:p>
+                  </a:txBody>
+                  <a:tcPr/>
+                </a:tc>
+                <a:tc>
+                  <a:txBody>
+                    <a:bodyPr/>
+                    <a:lstStyle/>
+                    <a:p>
+                      <a:pPr latinLnBrk="1"/>
+                      <a:r>
+                        <a:rPr lang="ko-KR" altLang="en-US" dirty="0" smtClean="0"/>
+                        <a:t>별도의 </a:t>
+                      </a:r>
+                      <a:r>
+                        <a:rPr lang="en-US" altLang="ko-KR" dirty="0" smtClean="0"/>
+                        <a:t>Logic</a:t>
+                      </a:r>
+                      <a:r>
+                        <a:rPr lang="en-US" altLang="ko-KR" baseline="0" dirty="0" smtClean="0"/>
+                        <a:t> </a:t>
+                      </a:r>
+                      <a:r>
+                        <a:rPr lang="ko-KR" altLang="en-US" baseline="0" dirty="0" smtClean="0"/>
+                        <a:t>사용</a:t>
+                      </a:r>
+                      <a:endParaRPr lang="ko-KR" altLang="en-US" dirty="0"/>
+                    </a:p>
+                  </a:txBody>
+                  <a:tcPr/>
+                </a:tc>
+                <a:tc>
+                  <a:txBody>
+                    <a:bodyPr/>
+                    <a:lstStyle/>
+                    <a:p>
+                      <a:pPr latinLnBrk="1"/>
+                      <a:endParaRPr lang="ko-KR" altLang="en-US" dirty="0"/>
+                    </a:p>
+                  </a:txBody>
+                  <a:tcPr/>
+                </a:tc>
+                <a:extLst>
+                  <a:ext uri="{0D108BD9-81ED-4DB2-BD59-A6C34878D82A}">
+                    <a16:rowId xmlns:a16="http://schemas.microsoft.com/office/drawing/2014/main" val="2534087012"/>
+                  </a:ext>
+                </a:extLst>
+              </a:tr>
+              <a:tr h="370840">
+                <a:tc>
+                  <a:txBody>
+                    <a:bodyPr/>
+                    <a:lstStyle/>
+                    <a:p>
+                      <a:pPr latinLnBrk="1"/>
+                      <a:r>
+                        <a:rPr lang="en-US" altLang="ko-KR" dirty="0" smtClean="0"/>
+                        <a:t>@Valid</a:t>
+                      </a:r>
+                      <a:endParaRPr lang="ko-KR" altLang="en-US" dirty="0"/>
+                    </a:p>
+                  </a:txBody>
+                  <a:tcPr/>
+                </a:tc>
+                <a:tc>
+                  <a:txBody>
+                    <a:bodyPr/>
+                    <a:lstStyle/>
+                    <a:p>
+                      <a:pPr latinLnBrk="1"/>
+                      <a:r>
+                        <a:rPr lang="ko-KR" altLang="en-US" dirty="0" smtClean="0"/>
+                        <a:t>해당 </a:t>
+                      </a:r>
+                      <a:r>
+                        <a:rPr lang="en-US" altLang="ko-KR" dirty="0" smtClean="0"/>
+                        <a:t>Object</a:t>
+                      </a:r>
+                      <a:r>
+                        <a:rPr lang="ko-KR" altLang="en-US" dirty="0" smtClean="0"/>
+                        <a:t>에 </a:t>
+                      </a:r>
+                      <a:r>
+                        <a:rPr lang="en-US" altLang="ko-KR" dirty="0" smtClean="0"/>
+                        <a:t>Validation </a:t>
+                      </a:r>
+                      <a:r>
+                        <a:rPr lang="ko-KR" altLang="en-US" dirty="0" smtClean="0"/>
+                        <a:t>실행</a:t>
+                      </a:r>
+                      <a:endParaRPr lang="ko-KR" altLang="en-US" dirty="0"/>
+                    </a:p>
+                  </a:txBody>
+                  <a:tcPr/>
+                </a:tc>
+                <a:tc>
+                  <a:txBody>
+                    <a:bodyPr/>
+                    <a:lstStyle/>
+                    <a:p>
+                      <a:pPr latinLnBrk="1"/>
+                      <a:endParaRPr lang="ko-KR" altLang="en-US" dirty="0"/>
+                    </a:p>
+                  </a:txBody>
+                  <a:tcPr/>
+                </a:tc>
+                <a:extLst>
+                  <a:ext uri="{0D108BD9-81ED-4DB2-BD59-A6C34878D82A}">
+                    <a16:rowId xmlns:a16="http://schemas.microsoft.com/office/drawing/2014/main" val="4286039193"/>
+                  </a:ext>
+                </a:extLst>
+              </a:tr>
+              <a:tr h="370840">
+                <a:tc>
+                  <a:txBody>
+                    <a:bodyPr/>
+                    <a:lstStyle/>
+                    <a:p>
+                      <a:pPr latinLnBrk="1"/>
+                      <a:r>
+                        <a:rPr lang="en-US" altLang="ko-KR" dirty="0" smtClean="0"/>
+                        <a:t>@Past</a:t>
+                      </a:r>
+                      <a:endParaRPr lang="ko-KR" altLang="en-US" dirty="0"/>
+                    </a:p>
+                  </a:txBody>
+                  <a:tcPr/>
+                </a:tc>
+                <a:tc>
+                  <a:txBody>
+                    <a:bodyPr/>
+                    <a:lstStyle/>
+                    <a:p>
+                      <a:pPr latinLnBrk="1"/>
+                      <a:r>
+                        <a:rPr lang="ko-KR" altLang="en-US" b="0" dirty="0" smtClean="0"/>
+                        <a:t>과거 날짜</a:t>
+                      </a:r>
+                      <a:endParaRPr lang="ko-KR" altLang="en-US" b="0" dirty="0"/>
+                    </a:p>
+                  </a:txBody>
+                  <a:tcPr/>
+                </a:tc>
+                <a:tc>
+                  <a:txBody>
+                    <a:bodyPr/>
+                    <a:lstStyle/>
+                    <a:p>
+                      <a:pPr latinLnBrk="1"/>
+                      <a:endParaRPr lang="ko-KR" altLang="en-US" dirty="0"/>
+                    </a:p>
+                  </a:txBody>
+                  <a:tcPr/>
+                </a:tc>
+                <a:extLst>
+                  <a:ext uri="{0D108BD9-81ED-4DB2-BD59-A6C34878D82A}">
+                    <a16:rowId xmlns:a16="http://schemas.microsoft.com/office/drawing/2014/main" val="4240899207"/>
+                  </a:ext>
+                </a:extLst>
+              </a:tr>
+              <a:tr h="370840">
+                <a:tc>
+                  <a:txBody>
+                    <a:bodyPr/>
+                    <a:lstStyle/>
+                    <a:p>
+                      <a:pPr latinLnBrk="1"/>
+                      <a:r>
+                        <a:rPr lang="en-US" altLang="ko-KR" dirty="0" smtClean="0"/>
+                        <a:t>@</a:t>
+                      </a:r>
+                      <a:r>
+                        <a:rPr lang="en-US" altLang="ko-KR" dirty="0" err="1" smtClean="0"/>
+                        <a:t>PastOrPresent</a:t>
+                      </a:r>
+                      <a:endParaRPr lang="ko-KR" altLang="en-US" dirty="0"/>
+                    </a:p>
+                  </a:txBody>
+                  <a:tcPr/>
+                </a:tc>
+                <a:tc>
+                  <a:txBody>
+                    <a:bodyPr/>
+                    <a:lstStyle/>
+                    <a:p>
+                      <a:pPr latinLnBrk="1"/>
+                      <a:r>
+                        <a:rPr lang="ko-KR" altLang="en-US" b="0" dirty="0" err="1" smtClean="0"/>
+                        <a:t>오늘이거나</a:t>
+                      </a:r>
+                      <a:r>
+                        <a:rPr lang="ko-KR" altLang="en-US" b="0" dirty="0" smtClean="0"/>
+                        <a:t> 과거 날짜</a:t>
+                      </a:r>
+                      <a:endParaRPr lang="ko-KR" altLang="en-US" b="0" dirty="0"/>
+                    </a:p>
+                  </a:txBody>
+                  <a:tcPr/>
+                </a:tc>
+                <a:tc>
+                  <a:txBody>
+                    <a:bodyPr/>
+                    <a:lstStyle/>
+                    <a:p>
+                      <a:pPr latinLnBrk="1"/>
+                      <a:endParaRPr lang="ko-KR" altLang="en-US" dirty="0"/>
+                    </a:p>
+                  </a:txBody>
+                  <a:tcPr/>
+                </a:tc>
+                <a:extLst>
+                  <a:ext uri="{0D108BD9-81ED-4DB2-BD59-A6C34878D82A}">
+                    <a16:rowId xmlns:a16="http://schemas.microsoft.com/office/drawing/2014/main" val="2862111332"/>
+                  </a:ext>
+                </a:extLst>
+              </a:tr>
+              <a:tr h="370840">
+                <a:tc>
+                  <a:txBody>
+                    <a:bodyPr/>
+                    <a:lstStyle/>
+                    <a:p>
+                      <a:pPr latinLnBrk="1"/>
+                      <a:r>
+                        <a:rPr lang="en-US" altLang="ko-KR" dirty="0" smtClean="0"/>
+                        <a:t>@Future</a:t>
+                      </a:r>
+                      <a:endParaRPr lang="ko-KR" altLang="en-US" dirty="0"/>
+                    </a:p>
+                  </a:txBody>
+                  <a:tcPr/>
+                </a:tc>
+                <a:tc>
+                  <a:txBody>
+                    <a:bodyPr/>
+                    <a:lstStyle/>
+                    <a:p>
+                      <a:pPr latinLnBrk="1"/>
+                      <a:r>
+                        <a:rPr lang="ko-KR" altLang="en-US" b="0" dirty="0" smtClean="0"/>
+                        <a:t>미래 날짜</a:t>
+                      </a:r>
+                      <a:endParaRPr lang="ko-KR" altLang="en-US" b="0" dirty="0"/>
+                    </a:p>
+                  </a:txBody>
+                  <a:tcPr/>
+                </a:tc>
+                <a:tc>
+                  <a:txBody>
+                    <a:bodyPr/>
+                    <a:lstStyle/>
+                    <a:p>
+                      <a:pPr latinLnBrk="1"/>
+                      <a:endParaRPr lang="ko-KR" altLang="en-US" dirty="0"/>
+                    </a:p>
+                  </a:txBody>
+                  <a:tcPr/>
+                </a:tc>
+                <a:extLst>
+                  <a:ext uri="{0D108BD9-81ED-4DB2-BD59-A6C34878D82A}">
+                    <a16:rowId xmlns:a16="http://schemas.microsoft.com/office/drawing/2014/main" val="213689366"/>
+                  </a:ext>
+                </a:extLst>
+              </a:tr>
+              <a:tr h="370840">
+                <a:tc>
+                  <a:txBody>
+                    <a:bodyPr/>
+                    <a:lstStyle/>
+                    <a:p>
+                      <a:pPr latinLnBrk="1"/>
+                      <a:r>
+                        <a:rPr lang="en-US" altLang="ko-KR" dirty="0" smtClean="0"/>
+                        <a:t>@</a:t>
+                      </a:r>
+                      <a:r>
+                        <a:rPr lang="en-US" altLang="ko-KR" dirty="0" err="1" smtClean="0"/>
+                        <a:t>FutureOrPresent</a:t>
+                      </a:r>
+                      <a:endParaRPr lang="ko-KR" altLang="en-US" dirty="0"/>
+                    </a:p>
+                  </a:txBody>
+                  <a:tcPr/>
+                </a:tc>
+                <a:tc>
+                  <a:txBody>
+                    <a:bodyPr/>
+                    <a:lstStyle/>
+                    <a:p>
+                      <a:pPr latinLnBrk="1"/>
+                      <a:r>
+                        <a:rPr lang="ko-KR" altLang="en-US" b="0" dirty="0" err="1" smtClean="0"/>
+                        <a:t>오늘이거나</a:t>
+                      </a:r>
+                      <a:r>
+                        <a:rPr lang="ko-KR" altLang="en-US" b="0" dirty="0" smtClean="0"/>
+                        <a:t> 미래 날짜</a:t>
+                      </a:r>
+                      <a:endParaRPr lang="ko-KR" altLang="en-US" b="0" dirty="0"/>
+                    </a:p>
+                  </a:txBody>
+                  <a:tcPr/>
+                </a:tc>
+                <a:tc>
+                  <a:txBody>
+                    <a:bodyPr/>
+                    <a:lstStyle/>
+                    <a:p>
+                      <a:pPr latinLnBrk="1"/>
+                      <a:endParaRPr lang="ko-KR" altLang="en-US" dirty="0"/>
+                    </a:p>
+                  </a:txBody>
+                  <a:tcPr/>
+                </a:tc>
+                <a:extLst>
+                  <a:ext uri="{0D108BD9-81ED-4DB2-BD59-A6C34878D82A}">
+                    <a16:rowId xmlns:a16="http://schemas.microsoft.com/office/drawing/2014/main" val="2580200687"/>
+                  </a:ext>
+                </a:extLst>
+              </a:tr>
+            </a:tbl>
+          </a:graphicData>
+        </a:graphic>
+      </p:graphicFrame>
+    </p:spTree>
+    <p:extLst>
+      <p:ext uri="{BB962C8B-B14F-4D97-AF65-F5344CB8AC3E}">
+        <p14:creationId xmlns:p14="http://schemas.microsoft.com/office/powerpoint/2010/main" val="475934288"/>
+      </p:ext>
+    </p:extLst>
+  </p:cSld>
+  <p:clrMapOvr>
+    <a:masterClrMapping/>
+  </p:clrMapOvr>
+</p:sld>
+</file>
+
+<file path=ppt/slides/slide13.xml><?xml version="1.0" encoding="utf-8"?>
+<p:sld xmlns:a="http://schemas.openxmlformats.org/drawingml/2006/main" xmlns:r="http://schemas.openxmlformats.org/officeDocument/2006/relationships" xmlns:p="http://schemas.openxmlformats.org/presentationml/2006/main">
+  <p:cSld>
+    <p:spTree>
+      <p:nvGrpSpPr>
+        <p:cNvPr id="1" name=""/>
+        <p:cNvGrpSpPr/>
+        <p:nvPr/>
+      </p:nvGrpSpPr>
+      <p:grpSpPr>
+        <a:xfrm>
+          <a:off x="0" y="0"/>
+          <a:ext cx="0" cy="0"/>
+          <a:chOff x="0" y="0"/>
+          <a:chExt cx="0" cy="0"/>
+        </a:xfrm>
+      </p:grpSpPr>
+      <p:sp>
+        <p:nvSpPr>
+          <p:cNvPr id="2" name="TextBox 1"/>
+          <p:cNvSpPr txBox="1"/>
+          <p:nvPr/>
+        </p:nvSpPr>
+        <p:spPr>
+          <a:xfrm>
+            <a:off x="808892" y="536331"/>
+            <a:ext cx="3082639" cy="369332"/>
+          </a:xfrm>
+          <a:prstGeom prst="rect">
+            <a:avLst/>
+          </a:prstGeom>
+          <a:noFill/>
+        </p:spPr>
+        <p:txBody>
+          <a:bodyPr wrap="none" rtlCol="0">
+            <a:spAutoFit/>
+          </a:bodyPr>
+          <a:lstStyle/>
+          <a:p>
+            <a:r>
+              <a:rPr lang="en-US" altLang="ko-KR" dirty="0" smtClean="0"/>
+              <a:t>Spring Boot </a:t>
+            </a:r>
+            <a:r>
+              <a:rPr lang="en-US" altLang="ko-KR" dirty="0" smtClean="0"/>
+              <a:t>Validation </a:t>
+            </a:r>
+            <a:r>
+              <a:rPr lang="ko-KR" altLang="en-US" dirty="0" smtClean="0"/>
+              <a:t>적용</a:t>
+            </a:r>
+            <a:endParaRPr lang="en-US" altLang="ko-KR" dirty="0"/>
+          </a:p>
+        </p:txBody>
+      </p:sp>
+      <p:sp>
+        <p:nvSpPr>
+          <p:cNvPr id="3" name="TextBox 2"/>
+          <p:cNvSpPr txBox="1"/>
+          <p:nvPr/>
+        </p:nvSpPr>
+        <p:spPr>
+          <a:xfrm>
+            <a:off x="808892" y="975947"/>
+            <a:ext cx="8529066" cy="646331"/>
+          </a:xfrm>
+          <a:prstGeom prst="rect">
+            <a:avLst/>
+          </a:prstGeom>
+          <a:noFill/>
+        </p:spPr>
+        <p:txBody>
+          <a:bodyPr wrap="none" rtlCol="0">
+            <a:spAutoFit/>
+          </a:bodyPr>
+          <a:lstStyle/>
+          <a:p>
+            <a:r>
+              <a:rPr lang="en-US" altLang="ko-KR" dirty="0" smtClean="0"/>
+              <a:t>1. </a:t>
+            </a:r>
+            <a:r>
+              <a:rPr lang="ko-KR" altLang="en-US" dirty="0" smtClean="0"/>
+              <a:t>검증이 일어나는 곳은 </a:t>
+            </a:r>
+            <a:r>
+              <a:rPr lang="en-US" altLang="ko-KR" dirty="0" smtClean="0"/>
+              <a:t>Spring</a:t>
+            </a:r>
+            <a:r>
+              <a:rPr lang="ko-KR" altLang="en-US" dirty="0" smtClean="0"/>
+              <a:t>이 </a:t>
+            </a:r>
+            <a:r>
+              <a:rPr lang="en-US" altLang="ko-KR" dirty="0" smtClean="0"/>
+              <a:t>Request</a:t>
+            </a:r>
+            <a:r>
+              <a:rPr lang="ko-KR" altLang="en-US" dirty="0" smtClean="0"/>
+              <a:t>를 </a:t>
+            </a:r>
+            <a:r>
+              <a:rPr lang="ko-KR" altLang="en-US" dirty="0" err="1" smtClean="0"/>
+              <a:t>역직렬화</a:t>
+            </a:r>
+            <a:r>
+              <a:rPr lang="ko-KR" altLang="en-US" dirty="0" smtClean="0"/>
+              <a:t> 하는 곳</a:t>
+            </a:r>
+            <a:r>
+              <a:rPr lang="en-US" altLang="ko-KR" dirty="0" smtClean="0"/>
+              <a:t>(Method) @Valid</a:t>
+            </a:r>
+          </a:p>
+          <a:p>
+            <a:r>
+              <a:rPr lang="en-US" altLang="ko-KR" dirty="0" smtClean="0"/>
+              <a:t>2. </a:t>
+            </a:r>
+            <a:r>
+              <a:rPr lang="ko-KR" altLang="en-US" dirty="0" smtClean="0"/>
+              <a:t>검증의 대상은 역직렬화되는 객체의 </a:t>
+            </a:r>
+            <a:r>
+              <a:rPr lang="en-US" altLang="ko-KR" dirty="0" smtClean="0"/>
+              <a:t>Annotation </a:t>
+            </a:r>
+            <a:r>
+              <a:rPr lang="ko-KR" altLang="en-US" dirty="0" smtClean="0"/>
+              <a:t>기준</a:t>
+            </a:r>
+            <a:endParaRPr lang="en-US" altLang="ko-KR" dirty="0" smtClean="0"/>
+          </a:p>
+        </p:txBody>
+      </p:sp>
+      <p:sp>
+        <p:nvSpPr>
+          <p:cNvPr id="5" name="TextBox 4"/>
+          <p:cNvSpPr txBox="1"/>
+          <p:nvPr/>
+        </p:nvSpPr>
+        <p:spPr>
+          <a:xfrm>
+            <a:off x="808892" y="2693377"/>
+            <a:ext cx="11103361" cy="646331"/>
+          </a:xfrm>
+          <a:prstGeom prst="rect">
+            <a:avLst/>
+          </a:prstGeom>
+          <a:noFill/>
+        </p:spPr>
+        <p:txBody>
+          <a:bodyPr wrap="none" rtlCol="0">
+            <a:spAutoFit/>
+          </a:bodyPr>
+          <a:lstStyle/>
+          <a:p>
+            <a:r>
+              <a:rPr lang="en-US" altLang="ko-KR" dirty="0" smtClean="0"/>
+              <a:t>1. </a:t>
+            </a:r>
+            <a:r>
+              <a:rPr lang="ko-KR" altLang="en-US" dirty="0" smtClean="0"/>
+              <a:t>각 </a:t>
+            </a:r>
+            <a:r>
+              <a:rPr lang="en-US" altLang="ko-KR" dirty="0" err="1" smtClean="0"/>
+              <a:t>api</a:t>
+            </a:r>
+            <a:r>
+              <a:rPr lang="en-US" altLang="ko-KR" dirty="0" smtClean="0"/>
+              <a:t> </a:t>
+            </a:r>
+            <a:r>
+              <a:rPr lang="ko-KR" altLang="en-US" dirty="0" smtClean="0"/>
+              <a:t>메서드에선 </a:t>
+            </a:r>
+            <a:r>
+              <a:rPr lang="en-US" altLang="ko-KR" dirty="0" err="1" smtClean="0"/>
+              <a:t>BindingResult</a:t>
+            </a:r>
+            <a:r>
+              <a:rPr lang="ko-KR" altLang="en-US" dirty="0" smtClean="0"/>
+              <a:t>라는 객체를 이용하여 </a:t>
+            </a:r>
+            <a:r>
+              <a:rPr lang="en-US" altLang="ko-KR" dirty="0" smtClean="0"/>
+              <a:t>Valid</a:t>
+            </a:r>
+            <a:r>
+              <a:rPr lang="ko-KR" altLang="en-US" dirty="0" smtClean="0"/>
+              <a:t>의 결과물을 확인할 수 있음</a:t>
+            </a:r>
+            <a:endParaRPr lang="en-US" altLang="ko-KR" dirty="0" smtClean="0"/>
+          </a:p>
+          <a:p>
+            <a:r>
+              <a:rPr lang="en-US" altLang="ko-KR" dirty="0" smtClean="0"/>
+              <a:t>2. </a:t>
+            </a:r>
+            <a:r>
+              <a:rPr lang="ko-KR" altLang="en-US" dirty="0" smtClean="0"/>
+              <a:t>실무에선 </a:t>
+            </a:r>
+            <a:r>
+              <a:rPr lang="en-US" altLang="ko-KR" dirty="0" err="1"/>
+              <a:t>ValidationErrorHandler</a:t>
+            </a:r>
+            <a:r>
+              <a:rPr lang="ko-KR" altLang="en-US" dirty="0"/>
+              <a:t>를 따로 생성하여 에러 </a:t>
+            </a:r>
+            <a:r>
+              <a:rPr lang="ko-KR" altLang="en-US" dirty="0" smtClean="0"/>
+              <a:t>처리</a:t>
+            </a:r>
+            <a:r>
+              <a:rPr lang="en-US" altLang="ko-KR" dirty="0" smtClean="0"/>
+              <a:t>(</a:t>
+            </a:r>
+            <a:r>
+              <a:rPr lang="en-US" altLang="ko-KR" dirty="0" err="1" smtClean="0"/>
+              <a:t>MethodArgumentNotValidException.class</a:t>
+            </a:r>
+            <a:r>
+              <a:rPr lang="en-US" altLang="ko-KR" dirty="0" smtClean="0"/>
+              <a:t>)</a:t>
+            </a:r>
+            <a:endParaRPr lang="en-US" altLang="ko-KR" dirty="0"/>
+          </a:p>
+        </p:txBody>
+      </p:sp>
+    </p:spTree>
+    <p:extLst>
+      <p:ext uri="{BB962C8B-B14F-4D97-AF65-F5344CB8AC3E}">
+        <p14:creationId xmlns:p14="http://schemas.microsoft.com/office/powerpoint/2010/main" val="2355822005"/>
       </p:ext>
     </p:extLst>
   </p:cSld>

--- a/rest-api.pptx
+++ b/rest-api.pptx
@@ -4888,11 +4888,7 @@
           <a:p>
             <a:r>
               <a:rPr lang="en-US" altLang="ko-KR" b="1" dirty="0" smtClean="0"/>
-              <a:t>“^\\d{2,3}-\\d{3,4}-\\d{4</a:t>
-            </a:r>
-            <a:r>
-              <a:rPr lang="en-US" altLang="ko-KR" b="1" dirty="0" smtClean="0"/>
-              <a:t>}$”</a:t>
+              <a:t>“^\\d{2,3}-\\d{3,4}-\\d{4}$”</a:t>
             </a:r>
             <a:endParaRPr lang="ko-KR" altLang="en-US" b="1" dirty="0"/>
           </a:p>
@@ -4948,11 +4944,7 @@
           <a:p>
             <a:r>
               <a:rPr lang="ko-KR" altLang="en-US" dirty="0" smtClean="0"/>
-              <a:t>흩어진 경우는 </a:t>
-            </a:r>
-            <a:r>
-              <a:rPr lang="ko-KR" altLang="en-US" dirty="0" smtClean="0"/>
-              <a:t>검증 </a:t>
+              <a:t>흩어진 경우는 검증 </a:t>
             </a:r>
             <a:r>
               <a:rPr lang="ko-KR" altLang="en-US" dirty="0" err="1" smtClean="0"/>
@@ -4960,11 +4952,7 @@
             </a:r>
             <a:r>
               <a:rPr lang="ko-KR" altLang="en-US" dirty="0" smtClean="0"/>
-              <a:t> </a:t>
-            </a:r>
-            <a:r>
-              <a:rPr lang="ko-KR" altLang="en-US" dirty="0" smtClean="0"/>
-              <a:t>찾기 어려움</a:t>
+              <a:t> 찾기 어려움</a:t>
             </a:r>
             <a:endParaRPr lang="en-US" altLang="ko-KR" dirty="0" smtClean="0"/>
           </a:p>
@@ -5862,11 +5850,7 @@
           <a:p>
             <a:r>
               <a:rPr lang="en-US" altLang="ko-KR" dirty="0" smtClean="0"/>
-              <a:t>Spring Boot </a:t>
-            </a:r>
-            <a:r>
-              <a:rPr lang="en-US" altLang="ko-KR" dirty="0" smtClean="0"/>
-              <a:t>Validation </a:t>
+              <a:t>Spring Boot Validation </a:t>
             </a:r>
             <a:r>
               <a:rPr lang="ko-KR" altLang="en-US" dirty="0" smtClean="0"/>
@@ -6048,6 +6032,214 @@
             <a:r>
               <a:rPr lang="en-US" altLang="ko-KR" dirty="0" smtClean="0"/>
               <a:t>)</a:t>
+            </a:r>
+            <a:endParaRPr lang="en-US" altLang="ko-KR" dirty="0"/>
+          </a:p>
+        </p:txBody>
+      </p:sp>
+      <p:sp>
+        <p:nvSpPr>
+          <p:cNvPr id="6" name="TextBox 5"/>
+          <p:cNvSpPr txBox="1"/>
+          <p:nvPr/>
+        </p:nvSpPr>
+        <p:spPr>
+          <a:xfrm>
+            <a:off x="808892" y="3979984"/>
+            <a:ext cx="8658139" cy="2585323"/>
+          </a:xfrm>
+          <a:prstGeom prst="rect">
+            <a:avLst/>
+          </a:prstGeom>
+          <a:noFill/>
+        </p:spPr>
+        <p:txBody>
+          <a:bodyPr wrap="none" rtlCol="0">
+            <a:spAutoFit/>
+          </a:bodyPr>
+          <a:lstStyle/>
+          <a:p>
+            <a:r>
+              <a:rPr lang="en-US" altLang="ko-KR" dirty="0" smtClean="0"/>
+              <a:t>1</a:t>
+            </a:r>
+            <a:r>
+              <a:rPr lang="en-US" altLang="ko-KR" dirty="0" smtClean="0"/>
+              <a:t>. </a:t>
+            </a:r>
+            <a:r>
+              <a:rPr lang="ko-KR" altLang="en-US" dirty="0" smtClean="0"/>
+              <a:t>복합적인 변수들을 확인하는 메서드가 필요한 경우가 있음</a:t>
+            </a:r>
+            <a:endParaRPr lang="en-US" altLang="ko-KR" dirty="0"/>
+          </a:p>
+          <a:p>
+            <a:r>
+              <a:rPr lang="en-US" altLang="ko-KR" dirty="0" smtClean="0"/>
+              <a:t>  ex) Name</a:t>
+            </a:r>
+            <a:r>
+              <a:rPr lang="ko-KR" altLang="en-US" dirty="0" smtClean="0"/>
+              <a:t>이나 </a:t>
+            </a:r>
+            <a:r>
+              <a:rPr lang="en-US" altLang="ko-KR" dirty="0" err="1" smtClean="0"/>
+              <a:t>NickName</a:t>
+            </a:r>
+            <a:r>
+              <a:rPr lang="en-US" altLang="ko-KR" dirty="0" smtClean="0"/>
+              <a:t> </a:t>
+            </a:r>
+            <a:r>
+              <a:rPr lang="ko-KR" altLang="en-US" dirty="0" smtClean="0"/>
+              <a:t>중 하나 이상의 필드는 반드시 필요합니다</a:t>
+            </a:r>
+            <a:r>
+              <a:rPr lang="en-US" altLang="ko-KR" dirty="0" smtClean="0"/>
+              <a:t>. </a:t>
+            </a:r>
+          </a:p>
+          <a:p>
+            <a:r>
+              <a:rPr lang="en-US" altLang="ko-KR" dirty="0" smtClean="0"/>
+              <a:t>-&gt; </a:t>
+            </a:r>
+            <a:r>
+              <a:rPr lang="ko-KR" altLang="en-US" dirty="0" smtClean="0"/>
+              <a:t>이런 경우 함수를 검증하는 </a:t>
+            </a:r>
+            <a:r>
+              <a:rPr lang="ko-KR" altLang="en-US" dirty="0" err="1" smtClean="0"/>
+              <a:t>로직</a:t>
+            </a:r>
+            <a:r>
+              <a:rPr lang="ko-KR" altLang="en-US" dirty="0" smtClean="0"/>
+              <a:t> 필요</a:t>
+            </a:r>
+            <a:endParaRPr lang="en-US" altLang="ko-KR" dirty="0" smtClean="0"/>
+          </a:p>
+          <a:p>
+            <a:endParaRPr lang="en-US" altLang="ko-KR" dirty="0"/>
+          </a:p>
+          <a:p>
+            <a:r>
+              <a:rPr lang="en-US" altLang="ko-KR" dirty="0" smtClean="0"/>
+              <a:t>2. </a:t>
+            </a:r>
+            <a:r>
+              <a:rPr lang="ko-KR" altLang="en-US" dirty="0" smtClean="0"/>
+              <a:t>자주 사용할 수 있는 </a:t>
+            </a:r>
+            <a:r>
+              <a:rPr lang="ko-KR" altLang="en-US" dirty="0" err="1" smtClean="0"/>
+              <a:t>로직은</a:t>
+            </a:r>
+            <a:r>
+              <a:rPr lang="ko-KR" altLang="en-US" dirty="0" smtClean="0"/>
+              <a:t> 별도의 </a:t>
+            </a:r>
+            <a:r>
+              <a:rPr lang="en-US" altLang="ko-KR" dirty="0" smtClean="0"/>
+              <a:t>Annotation</a:t>
+            </a:r>
+            <a:r>
+              <a:rPr lang="ko-KR" altLang="en-US" dirty="0" smtClean="0"/>
+              <a:t>으로 직접 생성해서 재사용 가능</a:t>
+            </a:r>
+            <a:endParaRPr lang="en-US" altLang="ko-KR" dirty="0" smtClean="0"/>
+          </a:p>
+          <a:p>
+            <a:r>
+              <a:rPr lang="en-US" altLang="ko-KR" dirty="0"/>
+              <a:t> </a:t>
+            </a:r>
+            <a:r>
+              <a:rPr lang="en-US" altLang="ko-KR" dirty="0" smtClean="0"/>
+              <a:t>ex) </a:t>
+            </a:r>
+            <a:r>
+              <a:rPr lang="en-US" altLang="ko-KR" dirty="0" err="1" smtClean="0"/>
+              <a:t>Phone_number</a:t>
+            </a:r>
+            <a:r>
+              <a:rPr lang="en-US" altLang="ko-KR" dirty="0" smtClean="0"/>
+              <a:t> -&gt; 000-0000-0000 </a:t>
+            </a:r>
+            <a:r>
+              <a:rPr lang="ko-KR" altLang="en-US" dirty="0" smtClean="0"/>
+              <a:t>등</a:t>
+            </a:r>
+            <a:endParaRPr lang="en-US" altLang="ko-KR" dirty="0" smtClean="0"/>
+          </a:p>
+          <a:p>
+            <a:r>
+              <a:rPr lang="en-US" altLang="ko-KR" dirty="0"/>
+              <a:t> </a:t>
+            </a:r>
+            <a:r>
+              <a:rPr lang="en-US" altLang="ko-KR" dirty="0" smtClean="0"/>
+              <a:t>1) </a:t>
+            </a:r>
+            <a:r>
+              <a:rPr lang="en-US" altLang="ko-KR" dirty="0" smtClean="0"/>
+              <a:t>@</a:t>
+            </a:r>
+            <a:r>
+              <a:rPr lang="en-US" altLang="ko-KR" dirty="0" smtClean="0"/>
+              <a:t>interface </a:t>
+            </a:r>
+            <a:r>
+              <a:rPr lang="ko-KR" altLang="en-US" dirty="0" smtClean="0"/>
+              <a:t>생성</a:t>
+            </a:r>
+            <a:endParaRPr lang="en-US" altLang="ko-KR" dirty="0" smtClean="0"/>
+          </a:p>
+          <a:p>
+            <a:r>
+              <a:rPr lang="en-US" altLang="ko-KR" dirty="0"/>
+              <a:t> </a:t>
+            </a:r>
+            <a:r>
+              <a:rPr lang="en-US" altLang="ko-KR" dirty="0" smtClean="0"/>
+              <a:t>2) @interface</a:t>
+            </a:r>
+            <a:r>
+              <a:rPr lang="ko-KR" altLang="en-US" dirty="0" smtClean="0"/>
+              <a:t>의 검증 도구 생성 </a:t>
+            </a:r>
+            <a:r>
+              <a:rPr lang="en-US" altLang="ko-KR" dirty="0" smtClean="0"/>
+              <a:t>implements </a:t>
+            </a:r>
+            <a:r>
+              <a:rPr lang="en-US" altLang="ko-KR" dirty="0" err="1" smtClean="0"/>
+              <a:t>ConstraintValidator</a:t>
+            </a:r>
+            <a:r>
+              <a:rPr lang="en-US" altLang="ko-KR" dirty="0" smtClean="0"/>
+              <a:t>&lt;?, ?&gt;</a:t>
+            </a:r>
+          </a:p>
+          <a:p>
+            <a:r>
+              <a:rPr lang="en-US" altLang="ko-KR" dirty="0"/>
+              <a:t> </a:t>
+            </a:r>
+            <a:r>
+              <a:rPr lang="en-US" altLang="ko-KR" dirty="0" smtClean="0"/>
+              <a:t>3) @</a:t>
+            </a:r>
+            <a:r>
+              <a:rPr lang="en-US" altLang="ko-KR" dirty="0" err="1" smtClean="0"/>
+              <a:t>interfac</a:t>
+            </a:r>
+            <a:r>
+              <a:rPr lang="ko-KR" altLang="en-US" dirty="0" smtClean="0"/>
+              <a:t>와 검증 도구 연결 </a:t>
+            </a:r>
+            <a:r>
+              <a:rPr lang="en-US" altLang="ko-KR" dirty="0" smtClean="0"/>
+              <a:t>annotation</a:t>
             </a:r>
             <a:endParaRPr lang="en-US" altLang="ko-KR" dirty="0"/>
           </a:p>

--- a/rest-api.pptx
+++ b/rest-api.pptx
@@ -6061,11 +6061,7 @@
           <a:p>
             <a:r>
               <a:rPr lang="en-US" altLang="ko-KR" dirty="0" smtClean="0"/>
-              <a:t>1</a:t>
-            </a:r>
-            <a:r>
-              <a:rPr lang="en-US" altLang="ko-KR" dirty="0" smtClean="0"/>
-              <a:t>. </a:t>
+              <a:t>1. </a:t>
             </a:r>
             <a:r>
               <a:rPr lang="ko-KR" altLang="en-US" dirty="0" smtClean="0"/>
@@ -6178,15 +6174,7 @@
             </a:r>
             <a:r>
               <a:rPr lang="en-US" altLang="ko-KR" dirty="0" smtClean="0"/>
-              <a:t>1) </a:t>
-            </a:r>
-            <a:r>
-              <a:rPr lang="en-US" altLang="ko-KR" dirty="0" smtClean="0"/>
-              <a:t>@</a:t>
-            </a:r>
-            <a:r>
-              <a:rPr lang="en-US" altLang="ko-KR" dirty="0" smtClean="0"/>
-              <a:t>interface </a:t>
+              <a:t>1) @interface </a:t>
             </a:r>
             <a:r>
               <a:rPr lang="ko-KR" altLang="en-US" dirty="0" smtClean="0"/>
